--- a/Проект PyGame.pptx
+++ b/Проект PyGame.pptx
@@ -7,9 +7,8 @@
   <p:sldIdLst>
     <p:sldId id="256" r:id="rId2"/>
     <p:sldId id="257" r:id="rId3"/>
-    <p:sldId id="258" r:id="rId4"/>
-    <p:sldId id="259" r:id="rId5"/>
-    <p:sldId id="260" r:id="rId6"/>
+    <p:sldId id="259" r:id="rId4"/>
+    <p:sldId id="260" r:id="rId5"/>
   </p:sldIdLst>
   <p:sldSz cx="12192000" cy="6858000"/>
   <p:notesSz cx="6858000" cy="9144000"/>
@@ -108,6 +107,11 @@
       </a:defRPr>
     </a:lvl9pPr>
   </p:defaultTextStyle>
+  <p:extLst>
+    <p:ext uri="{EFAFB233-063F-42B5-8137-9DF3F51BA10A}">
+      <p15:sldGuideLst xmlns:p15="http://schemas.microsoft.com/office/powerpoint/2012/main"/>
+    </p:ext>
+  </p:extLst>
 </p:presentation>
 </file>
 
@@ -296,7 +300,7 @@
           <a:p>
             <a:fld id="{C841441F-93E5-4471-9831-EC7B461DC1FD}" type="datetimeFigureOut">
               <a:rPr lang="ru-RU" smtClean="0"/>
-              <a:t>10.01.2022</a:t>
+              <a:t>17.01.2022</a:t>
             </a:fld>
             <a:endParaRPr lang="ru-RU"/>
           </a:p>
@@ -594,7 +598,7 @@
           <a:p>
             <a:fld id="{C841441F-93E5-4471-9831-EC7B461DC1FD}" type="datetimeFigureOut">
               <a:rPr lang="ru-RU" smtClean="0"/>
-              <a:t>10.01.2022</a:t>
+              <a:t>17.01.2022</a:t>
             </a:fld>
             <a:endParaRPr lang="ru-RU"/>
           </a:p>
@@ -786,7 +790,7 @@
           <a:p>
             <a:fld id="{C841441F-93E5-4471-9831-EC7B461DC1FD}" type="datetimeFigureOut">
               <a:rPr lang="ru-RU" smtClean="0"/>
-              <a:t>10.01.2022</a:t>
+              <a:t>17.01.2022</a:t>
             </a:fld>
             <a:endParaRPr lang="ru-RU"/>
           </a:p>
@@ -1047,7 +1051,7 @@
           <a:p>
             <a:fld id="{C841441F-93E5-4471-9831-EC7B461DC1FD}" type="datetimeFigureOut">
               <a:rPr lang="ru-RU" smtClean="0"/>
-              <a:t>10.01.2022</a:t>
+              <a:t>17.01.2022</a:t>
             </a:fld>
             <a:endParaRPr lang="ru-RU"/>
           </a:p>
@@ -1471,7 +1475,7 @@
           <a:p>
             <a:fld id="{C841441F-93E5-4471-9831-EC7B461DC1FD}" type="datetimeFigureOut">
               <a:rPr lang="ru-RU" smtClean="0"/>
-              <a:t>10.01.2022</a:t>
+              <a:t>17.01.2022</a:t>
             </a:fld>
             <a:endParaRPr lang="ru-RU"/>
           </a:p>
@@ -2008,7 +2012,7 @@
           <a:p>
             <a:fld id="{C841441F-93E5-4471-9831-EC7B461DC1FD}" type="datetimeFigureOut">
               <a:rPr lang="ru-RU" smtClean="0"/>
-              <a:t>10.01.2022</a:t>
+              <a:t>17.01.2022</a:t>
             </a:fld>
             <a:endParaRPr lang="ru-RU"/>
           </a:p>
@@ -2872,7 +2876,7 @@
           <a:p>
             <a:fld id="{C841441F-93E5-4471-9831-EC7B461DC1FD}" type="datetimeFigureOut">
               <a:rPr lang="ru-RU" smtClean="0"/>
-              <a:t>10.01.2022</a:t>
+              <a:t>17.01.2022</a:t>
             </a:fld>
             <a:endParaRPr lang="ru-RU"/>
           </a:p>
@@ -3042,7 +3046,7 @@
           <a:p>
             <a:fld id="{C841441F-93E5-4471-9831-EC7B461DC1FD}" type="datetimeFigureOut">
               <a:rPr lang="ru-RU" smtClean="0"/>
-              <a:t>10.01.2022</a:t>
+              <a:t>17.01.2022</a:t>
             </a:fld>
             <a:endParaRPr lang="ru-RU"/>
           </a:p>
@@ -3226,7 +3230,7 @@
           <a:p>
             <a:fld id="{C841441F-93E5-4471-9831-EC7B461DC1FD}" type="datetimeFigureOut">
               <a:rPr lang="ru-RU" smtClean="0"/>
-              <a:t>10.01.2022</a:t>
+              <a:t>17.01.2022</a:t>
             </a:fld>
             <a:endParaRPr lang="ru-RU"/>
           </a:p>
@@ -3396,7 +3400,7 @@
           <a:p>
             <a:fld id="{C841441F-93E5-4471-9831-EC7B461DC1FD}" type="datetimeFigureOut">
               <a:rPr lang="ru-RU" smtClean="0"/>
-              <a:t>10.01.2022</a:t>
+              <a:t>17.01.2022</a:t>
             </a:fld>
             <a:endParaRPr lang="ru-RU"/>
           </a:p>
@@ -3640,7 +3644,7 @@
           <a:p>
             <a:fld id="{C841441F-93E5-4471-9831-EC7B461DC1FD}" type="datetimeFigureOut">
               <a:rPr lang="ru-RU" smtClean="0"/>
-              <a:t>10.01.2022</a:t>
+              <a:t>17.01.2022</a:t>
             </a:fld>
             <a:endParaRPr lang="ru-RU"/>
           </a:p>
@@ -3876,7 +3880,7 @@
           <a:p>
             <a:fld id="{C841441F-93E5-4471-9831-EC7B461DC1FD}" type="datetimeFigureOut">
               <a:rPr lang="ru-RU" smtClean="0"/>
-              <a:t>10.01.2022</a:t>
+              <a:t>17.01.2022</a:t>
             </a:fld>
             <a:endParaRPr lang="ru-RU"/>
           </a:p>
@@ -4342,7 +4346,7 @@
           <a:p>
             <a:fld id="{C841441F-93E5-4471-9831-EC7B461DC1FD}" type="datetimeFigureOut">
               <a:rPr lang="ru-RU" smtClean="0"/>
-              <a:t>10.01.2022</a:t>
+              <a:t>17.01.2022</a:t>
             </a:fld>
             <a:endParaRPr lang="ru-RU"/>
           </a:p>
@@ -4460,7 +4464,7 @@
           <a:p>
             <a:fld id="{C841441F-93E5-4471-9831-EC7B461DC1FD}" type="datetimeFigureOut">
               <a:rPr lang="ru-RU" smtClean="0"/>
-              <a:t>10.01.2022</a:t>
+              <a:t>17.01.2022</a:t>
             </a:fld>
             <a:endParaRPr lang="ru-RU"/>
           </a:p>
@@ -4555,7 +4559,7 @@
           <a:p>
             <a:fld id="{C841441F-93E5-4471-9831-EC7B461DC1FD}" type="datetimeFigureOut">
               <a:rPr lang="ru-RU" smtClean="0"/>
-              <a:t>10.01.2022</a:t>
+              <a:t>17.01.2022</a:t>
             </a:fld>
             <a:endParaRPr lang="ru-RU"/>
           </a:p>
@@ -4810,7 +4814,7 @@
           <a:p>
             <a:fld id="{C841441F-93E5-4471-9831-EC7B461DC1FD}" type="datetimeFigureOut">
               <a:rPr lang="ru-RU" smtClean="0"/>
-              <a:t>10.01.2022</a:t>
+              <a:t>17.01.2022</a:t>
             </a:fld>
             <a:endParaRPr lang="ru-RU"/>
           </a:p>
@@ -5110,7 +5114,7 @@
           <a:p>
             <a:fld id="{C841441F-93E5-4471-9831-EC7B461DC1FD}" type="datetimeFigureOut">
               <a:rPr lang="ru-RU" smtClean="0"/>
-              <a:t>10.01.2022</a:t>
+              <a:t>17.01.2022</a:t>
             </a:fld>
             <a:endParaRPr lang="ru-RU"/>
           </a:p>
@@ -5344,7 +5348,7 @@
           <a:p>
             <a:fld id="{C841441F-93E5-4471-9831-EC7B461DC1FD}" type="datetimeFigureOut">
               <a:rPr lang="ru-RU" smtClean="0"/>
-              <a:t>10.01.2022</a:t>
+              <a:t>17.01.2022</a:t>
             </a:fld>
             <a:endParaRPr lang="ru-RU"/>
           </a:p>
@@ -6252,40 +6256,91 @@
           <a:bodyPr/>
           <a:lstStyle/>
           <a:p>
-            <a:endParaRPr lang="ru-RU"/>
-          </a:p>
-        </p:txBody>
-      </p:sp>
-      <p:pic>
-        <p:nvPicPr>
-          <p:cNvPr id="4" name="Объект 3"/>
-          <p:cNvPicPr>
-            <a:picLocks noGrp="1" noChangeAspect="1"/>
-          </p:cNvPicPr>
+            <a:r>
+              <a:rPr lang="ru-RU" dirty="0">
+                <a:effectLst/>
+              </a:rPr>
+              <a:t>Описание реализации</a:t>
+            </a:r>
+            <a:r>
+              <a:rPr lang="en-US" dirty="0">
+                <a:effectLst/>
+              </a:rPr>
+              <a:t>:</a:t>
+            </a:r>
+            <a:endParaRPr lang="ru-RU" dirty="0"/>
+          </a:p>
+        </p:txBody>
+      </p:sp>
+      <p:sp>
+        <p:nvSpPr>
+          <p:cNvPr id="3" name="Объект 2"/>
+          <p:cNvSpPr>
+            <a:spLocks noGrp="1"/>
+          </p:cNvSpPr>
           <p:nvPr>
             <p:ph idx="1"/>
           </p:nvPr>
-        </p:nvPicPr>
-        <p:blipFill>
-          <a:blip r:embed="rId2"/>
-          <a:stretch>
-            <a:fillRect/>
-          </a:stretch>
-        </p:blipFill>
-        <p:spPr>
-          <a:xfrm>
-            <a:off x="4296377" y="1731963"/>
-            <a:ext cx="3589720" cy="4059237"/>
-          </a:xfrm>
-          <a:prstGeom prst="rect">
-            <a:avLst/>
-          </a:prstGeom>
-        </p:spPr>
-      </p:pic>
+        </p:nvSpPr>
+        <p:spPr/>
+        <p:txBody>
+          <a:bodyPr>
+            <a:normAutofit/>
+          </a:bodyPr>
+          <a:lstStyle/>
+          <a:p>
+            <a:r>
+              <a:rPr lang="ru-RU" dirty="0" smtClean="0"/>
+              <a:t>В игре реализованы классы игрока, врагов, карты и кнопок</a:t>
+            </a:r>
+          </a:p>
+          <a:p>
+            <a:r>
+              <a:rPr lang="ru-RU" dirty="0" smtClean="0"/>
+              <a:t>Были использованы технологии обработки событий мыши и клавиатуры, спрайты, изображения, музыка.</a:t>
+            </a:r>
+          </a:p>
+          <a:p>
+            <a:r>
+              <a:rPr lang="ru-RU" dirty="0" smtClean="0"/>
+              <a:t>Уровни были разработаны в программе </a:t>
+            </a:r>
+            <a:r>
+              <a:rPr lang="en-US" dirty="0" smtClean="0"/>
+              <a:t>Tiled Map Editor, </a:t>
+            </a:r>
+            <a:r>
+              <a:rPr lang="ru-RU" dirty="0" smtClean="0"/>
+              <a:t>игра работает на</a:t>
+            </a:r>
+            <a:r>
+              <a:rPr lang="en-US" dirty="0"/>
+              <a:t> </a:t>
+            </a:r>
+            <a:r>
+              <a:rPr lang="en-US" dirty="0" err="1" smtClean="0"/>
+              <a:t>PyGame</a:t>
+            </a:r>
+            <a:r>
+              <a:rPr lang="ru-RU" dirty="0" smtClean="0"/>
+              <a:t> и встроенных библиотеках </a:t>
+            </a:r>
+            <a:r>
+              <a:rPr lang="en-US" dirty="0" smtClean="0"/>
+              <a:t> Python</a:t>
+            </a:r>
+            <a:endParaRPr lang="ru-RU" dirty="0" smtClean="0">
+              <a:solidFill>
+                <a:schemeClr val="bg1"/>
+              </a:solidFill>
+            </a:endParaRPr>
+          </a:p>
+        </p:txBody>
+      </p:sp>
     </p:spTree>
     <p:extLst>
       <p:ext uri="{BB962C8B-B14F-4D97-AF65-F5344CB8AC3E}">
-        <p14:creationId xmlns:p14="http://schemas.microsoft.com/office/powerpoint/2010/main" val="3257237680"/>
+        <p14:creationId xmlns:p14="http://schemas.microsoft.com/office/powerpoint/2010/main" val="3149583959"/>
       </p:ext>
     </p:extLst>
   </p:cSld>
@@ -6328,86 +6383,6 @@
           <a:lstStyle/>
           <a:p>
             <a:r>
-              <a:rPr lang="ru-RU" dirty="0">
-                <a:effectLst/>
-              </a:rPr>
-              <a:t>Описание реализации</a:t>
-            </a:r>
-            <a:r>
-              <a:rPr lang="en-US" dirty="0">
-                <a:effectLst/>
-              </a:rPr>
-              <a:t>:</a:t>
-            </a:r>
-            <a:endParaRPr lang="ru-RU" dirty="0"/>
-          </a:p>
-        </p:txBody>
-      </p:sp>
-      <p:sp>
-        <p:nvSpPr>
-          <p:cNvPr id="3" name="Объект 2"/>
-          <p:cNvSpPr>
-            <a:spLocks noGrp="1"/>
-          </p:cNvSpPr>
-          <p:nvPr>
-            <p:ph idx="1"/>
-          </p:nvPr>
-        </p:nvSpPr>
-        <p:spPr/>
-        <p:txBody>
-          <a:bodyPr/>
-          <a:lstStyle/>
-          <a:p>
-            <a:endParaRPr lang="ru-RU"/>
-          </a:p>
-        </p:txBody>
-      </p:sp>
-    </p:spTree>
-    <p:extLst>
-      <p:ext uri="{BB962C8B-B14F-4D97-AF65-F5344CB8AC3E}">
-        <p14:creationId xmlns:p14="http://schemas.microsoft.com/office/powerpoint/2010/main" val="3149583959"/>
-      </p:ext>
-    </p:extLst>
-  </p:cSld>
-  <p:clrMapOvr>
-    <a:masterClrMapping/>
-  </p:clrMapOvr>
-</p:sld>
-</file>
-
-<file path=ppt/slides/slide5.xml><?xml version="1.0" encoding="utf-8"?>
-<p:sld xmlns:a="http://schemas.openxmlformats.org/drawingml/2006/main" xmlns:r="http://schemas.openxmlformats.org/officeDocument/2006/relationships" xmlns:p="http://schemas.openxmlformats.org/presentationml/2006/main">
-  <p:cSld>
-    <p:spTree>
-      <p:nvGrpSpPr>
-        <p:cNvPr id="1" name=""/>
-        <p:cNvGrpSpPr/>
-        <p:nvPr/>
-      </p:nvGrpSpPr>
-      <p:grpSpPr>
-        <a:xfrm>
-          <a:off x="0" y="0"/>
-          <a:ext cx="0" cy="0"/>
-          <a:chOff x="0" y="0"/>
-          <a:chExt cx="0" cy="0"/>
-        </a:xfrm>
-      </p:grpSpPr>
-      <p:sp>
-        <p:nvSpPr>
-          <p:cNvPr id="2" name="Заголовок 1"/>
-          <p:cNvSpPr>
-            <a:spLocks noGrp="1"/>
-          </p:cNvSpPr>
-          <p:nvPr>
-            <p:ph type="title"/>
-          </p:nvPr>
-        </p:nvSpPr>
-        <p:spPr/>
-        <p:txBody>
-          <a:bodyPr/>
-          <a:lstStyle/>
-          <a:p>
-            <a:r>
               <a:rPr lang="ru-RU" dirty="0"/>
               <a:t>Заключение</a:t>
             </a:r>
@@ -6429,6 +6404,64 @@
           <a:bodyPr/>
           <a:lstStyle/>
           <a:p>
+            <a:r>
+              <a:rPr lang="ru-RU" dirty="0"/>
+              <a:t>В результате </a:t>
+            </a:r>
+            <a:r>
+              <a:rPr lang="ru-RU" dirty="0" smtClean="0"/>
+              <a:t>была </a:t>
+            </a:r>
+            <a:r>
+              <a:rPr lang="ru-RU" dirty="0" smtClean="0"/>
+              <a:t>получена игра, написанная </a:t>
+            </a:r>
+            <a:r>
+              <a:rPr lang="ru-RU" dirty="0"/>
+              <a:t>на языке </a:t>
+            </a:r>
+            <a:r>
+              <a:rPr lang="en-US" dirty="0"/>
+              <a:t>Python</a:t>
+            </a:r>
+            <a:r>
+              <a:rPr lang="en-US" dirty="0" smtClean="0"/>
+              <a:t>.</a:t>
+            </a:r>
+            <a:r>
+              <a:rPr lang="ru-RU" dirty="0" smtClean="0"/>
+              <a:t> Был получен опыт в разработке игр</a:t>
+            </a:r>
+          </a:p>
+          <a:p>
+            <a:r>
+              <a:rPr lang="en-US" dirty="0" smtClean="0"/>
+              <a:t> </a:t>
+            </a:r>
+            <a:r>
+              <a:rPr lang="ru-RU" dirty="0"/>
+              <a:t>В дальнейшем </a:t>
+            </a:r>
+            <a:r>
+              <a:rPr lang="ru-RU" dirty="0" smtClean="0"/>
+              <a:t>игру </a:t>
+            </a:r>
+            <a:r>
+              <a:rPr lang="ru-RU" dirty="0"/>
+              <a:t>можно усовершенствовать, улучшив </a:t>
+            </a:r>
+            <a:r>
+              <a:rPr lang="ru-RU" dirty="0" smtClean="0"/>
+              <a:t>интерфейс и графику, добавив новые уровни и  </a:t>
+            </a:r>
+            <a:r>
+              <a:rPr lang="ru-RU" dirty="0"/>
+              <a:t>возможность </a:t>
+            </a:r>
+            <a:r>
+              <a:rPr lang="ru-RU" dirty="0" smtClean="0"/>
+              <a:t>авторизации.</a:t>
+            </a:r>
             <a:endParaRPr lang="ru-RU" dirty="0"/>
           </a:p>
         </p:txBody>

--- a/Проект PyGame.pptx
+++ b/Проект PyGame.pptx
@@ -300,7 +300,7 @@
           <a:p>
             <a:fld id="{C841441F-93E5-4471-9831-EC7B461DC1FD}" type="datetimeFigureOut">
               <a:rPr lang="ru-RU" smtClean="0"/>
-              <a:t>17.01.2022</a:t>
+              <a:t>18.01.2022</a:t>
             </a:fld>
             <a:endParaRPr lang="ru-RU"/>
           </a:p>
@@ -598,7 +598,7 @@
           <a:p>
             <a:fld id="{C841441F-93E5-4471-9831-EC7B461DC1FD}" type="datetimeFigureOut">
               <a:rPr lang="ru-RU" smtClean="0"/>
-              <a:t>17.01.2022</a:t>
+              <a:t>18.01.2022</a:t>
             </a:fld>
             <a:endParaRPr lang="ru-RU"/>
           </a:p>
@@ -790,7 +790,7 @@
           <a:p>
             <a:fld id="{C841441F-93E5-4471-9831-EC7B461DC1FD}" type="datetimeFigureOut">
               <a:rPr lang="ru-RU" smtClean="0"/>
-              <a:t>17.01.2022</a:t>
+              <a:t>18.01.2022</a:t>
             </a:fld>
             <a:endParaRPr lang="ru-RU"/>
           </a:p>
@@ -1051,7 +1051,7 @@
           <a:p>
             <a:fld id="{C841441F-93E5-4471-9831-EC7B461DC1FD}" type="datetimeFigureOut">
               <a:rPr lang="ru-RU" smtClean="0"/>
-              <a:t>17.01.2022</a:t>
+              <a:t>18.01.2022</a:t>
             </a:fld>
             <a:endParaRPr lang="ru-RU"/>
           </a:p>
@@ -1475,7 +1475,7 @@
           <a:p>
             <a:fld id="{C841441F-93E5-4471-9831-EC7B461DC1FD}" type="datetimeFigureOut">
               <a:rPr lang="ru-RU" smtClean="0"/>
-              <a:t>17.01.2022</a:t>
+              <a:t>18.01.2022</a:t>
             </a:fld>
             <a:endParaRPr lang="ru-RU"/>
           </a:p>
@@ -2012,7 +2012,7 @@
           <a:p>
             <a:fld id="{C841441F-93E5-4471-9831-EC7B461DC1FD}" type="datetimeFigureOut">
               <a:rPr lang="ru-RU" smtClean="0"/>
-              <a:t>17.01.2022</a:t>
+              <a:t>18.01.2022</a:t>
             </a:fld>
             <a:endParaRPr lang="ru-RU"/>
           </a:p>
@@ -2876,7 +2876,7 @@
           <a:p>
             <a:fld id="{C841441F-93E5-4471-9831-EC7B461DC1FD}" type="datetimeFigureOut">
               <a:rPr lang="ru-RU" smtClean="0"/>
-              <a:t>17.01.2022</a:t>
+              <a:t>18.01.2022</a:t>
             </a:fld>
             <a:endParaRPr lang="ru-RU"/>
           </a:p>
@@ -3046,7 +3046,7 @@
           <a:p>
             <a:fld id="{C841441F-93E5-4471-9831-EC7B461DC1FD}" type="datetimeFigureOut">
               <a:rPr lang="ru-RU" smtClean="0"/>
-              <a:t>17.01.2022</a:t>
+              <a:t>18.01.2022</a:t>
             </a:fld>
             <a:endParaRPr lang="ru-RU"/>
           </a:p>
@@ -3230,7 +3230,7 @@
           <a:p>
             <a:fld id="{C841441F-93E5-4471-9831-EC7B461DC1FD}" type="datetimeFigureOut">
               <a:rPr lang="ru-RU" smtClean="0"/>
-              <a:t>17.01.2022</a:t>
+              <a:t>18.01.2022</a:t>
             </a:fld>
             <a:endParaRPr lang="ru-RU"/>
           </a:p>
@@ -3400,7 +3400,7 @@
           <a:p>
             <a:fld id="{C841441F-93E5-4471-9831-EC7B461DC1FD}" type="datetimeFigureOut">
               <a:rPr lang="ru-RU" smtClean="0"/>
-              <a:t>17.01.2022</a:t>
+              <a:t>18.01.2022</a:t>
             </a:fld>
             <a:endParaRPr lang="ru-RU"/>
           </a:p>
@@ -3644,7 +3644,7 @@
           <a:p>
             <a:fld id="{C841441F-93E5-4471-9831-EC7B461DC1FD}" type="datetimeFigureOut">
               <a:rPr lang="ru-RU" smtClean="0"/>
-              <a:t>17.01.2022</a:t>
+              <a:t>18.01.2022</a:t>
             </a:fld>
             <a:endParaRPr lang="ru-RU"/>
           </a:p>
@@ -3880,7 +3880,7 @@
           <a:p>
             <a:fld id="{C841441F-93E5-4471-9831-EC7B461DC1FD}" type="datetimeFigureOut">
               <a:rPr lang="ru-RU" smtClean="0"/>
-              <a:t>17.01.2022</a:t>
+              <a:t>18.01.2022</a:t>
             </a:fld>
             <a:endParaRPr lang="ru-RU"/>
           </a:p>
@@ -4346,7 +4346,7 @@
           <a:p>
             <a:fld id="{C841441F-93E5-4471-9831-EC7B461DC1FD}" type="datetimeFigureOut">
               <a:rPr lang="ru-RU" smtClean="0"/>
-              <a:t>17.01.2022</a:t>
+              <a:t>18.01.2022</a:t>
             </a:fld>
             <a:endParaRPr lang="ru-RU"/>
           </a:p>
@@ -4464,7 +4464,7 @@
           <a:p>
             <a:fld id="{C841441F-93E5-4471-9831-EC7B461DC1FD}" type="datetimeFigureOut">
               <a:rPr lang="ru-RU" smtClean="0"/>
-              <a:t>17.01.2022</a:t>
+              <a:t>18.01.2022</a:t>
             </a:fld>
             <a:endParaRPr lang="ru-RU"/>
           </a:p>
@@ -4559,7 +4559,7 @@
           <a:p>
             <a:fld id="{C841441F-93E5-4471-9831-EC7B461DC1FD}" type="datetimeFigureOut">
               <a:rPr lang="ru-RU" smtClean="0"/>
-              <a:t>17.01.2022</a:t>
+              <a:t>18.01.2022</a:t>
             </a:fld>
             <a:endParaRPr lang="ru-RU"/>
           </a:p>
@@ -4814,7 +4814,7 @@
           <a:p>
             <a:fld id="{C841441F-93E5-4471-9831-EC7B461DC1FD}" type="datetimeFigureOut">
               <a:rPr lang="ru-RU" smtClean="0"/>
-              <a:t>17.01.2022</a:t>
+              <a:t>18.01.2022</a:t>
             </a:fld>
             <a:endParaRPr lang="ru-RU"/>
           </a:p>
@@ -5114,7 +5114,7 @@
           <a:p>
             <a:fld id="{C841441F-93E5-4471-9831-EC7B461DC1FD}" type="datetimeFigureOut">
               <a:rPr lang="ru-RU" smtClean="0"/>
-              <a:t>17.01.2022</a:t>
+              <a:t>18.01.2022</a:t>
             </a:fld>
             <a:endParaRPr lang="ru-RU"/>
           </a:p>
@@ -5348,7 +5348,7 @@
           <a:p>
             <a:fld id="{C841441F-93E5-4471-9831-EC7B461DC1FD}" type="datetimeFigureOut">
               <a:rPr lang="ru-RU" smtClean="0"/>
-              <a:t>17.01.2022</a:t>
+              <a:t>18.01.2022</a:t>
             </a:fld>
             <a:endParaRPr lang="ru-RU"/>
           </a:p>
@@ -6076,7 +6076,13 @@
               <a:rPr lang="en-US" dirty="0" smtClean="0">
                 <a:effectLst/>
               </a:rPr>
-              <a:t>:</a:t>
+              <a:t>: </a:t>
+            </a:r>
+            <a:r>
+              <a:rPr lang="en-US" dirty="0">
+                <a:effectLst/>
+              </a:rPr>
+              <a:t>Run or die</a:t>
             </a:r>
             <a:endParaRPr lang="ru-RU" dirty="0">
               <a:effectLst/>
@@ -6207,7 +6213,21 @@
           <a:bodyPr/>
           <a:lstStyle/>
           <a:p>
-            <a:endParaRPr lang="ru-RU"/>
+            <a:r>
+              <a:rPr lang="ru-RU" dirty="0">
+                <a:effectLst/>
+              </a:rPr>
+              <a:t>Игрок при помощи стрелок передвигается по карте и собирает очки. Его цель добраться до выхода, собрав как можно больше очков, но при это он должен постараться сделать это за минимальное кол-во времени и сохранив как можно больше жизней, ведь за них тоже дают дополнительные баллы. Он должен избегать препятствий и врагов, т.к. они отнимают жизни. Если кол-во очков игрока больше, чем результат в рейтинговой таблице, то в рейтинговую таблицу записывается текущий результат игрока. Если игрок не успевает добраться до выхода пока не закончилось время, он проигрывает. Если игрок теряет все жизни, то он также проигрывает</a:t>
+            </a:r>
+            <a:r>
+              <a:rPr lang="ru-RU" dirty="0" smtClean="0">
+                <a:effectLst/>
+              </a:rPr>
+              <a:t>.</a:t>
+            </a:r>
+            <a:endParaRPr lang="ru-RU" dirty="0">
+              <a:effectLst/>
+            </a:endParaRPr>
           </a:p>
         </p:txBody>
       </p:sp>
@@ -6327,7 +6347,20 @@
             </a:r>
             <a:r>
               <a:rPr lang="en-US" dirty="0" smtClean="0"/>
-              <a:t> Python</a:t>
+              <a:t> </a:t>
+            </a:r>
+            <a:r>
+              <a:rPr lang="en-US" dirty="0" smtClean="0"/>
+              <a:t>Python</a:t>
+            </a:r>
+            <a:endParaRPr lang="ru-RU" dirty="0" smtClean="0"/>
+          </a:p>
+          <a:p>
+            <a:r>
+              <a:rPr lang="ru-RU" dirty="0">
+                <a:effectLst/>
+              </a:rPr>
+              <a:t>Информация о количестве очков хранится в базе данных.</a:t>
             </a:r>
             <a:endParaRPr lang="ru-RU" dirty="0" smtClean="0">
               <a:solidFill>
@@ -6410,11 +6443,7 @@
             </a:r>
             <a:r>
               <a:rPr lang="ru-RU" dirty="0" smtClean="0"/>
-              <a:t>была </a:t>
-            </a:r>
-            <a:r>
-              <a:rPr lang="ru-RU" dirty="0" smtClean="0"/>
-              <a:t>получена игра, написанная </a:t>
+              <a:t>была получена игра, написанная </a:t>
             </a:r>
             <a:r>
               <a:rPr lang="ru-RU" dirty="0"/>
